--- a/Sistemi Distribuiti e cloud Computing.pptx
+++ b/Sistemi Distribuiti e cloud Computing.pptx
@@ -259,7 +259,7 @@
             <a:pPr algn="r" rtl="0"/>
             <a:fld id="{D50F3B11-940E-47CE-B693-CE7D23FE028D}" type="datetime1">
               <a:rPr lang="it-IT" smtClean="0"/>
-              <a:t>10/05/2024</a:t>
+              <a:t>11/05/2024</a:t>
             </a:fld>
             <a:endParaRPr lang="it-IT" dirty="0"/>
           </a:p>
@@ -429,7 +429,7 @@
             <a:fld id="{A4BF746C-B2A6-4B2E-9724-880F3AE30A67}" type="datetime1">
               <a:rPr lang="it-IT" smtClean="0"/>
               <a:pPr/>
-              <a:t>10/05/2024</a:t>
+              <a:t>11/05/2024</a:t>
             </a:fld>
             <a:endParaRPr lang="it-IT" dirty="0"/>
           </a:p>
@@ -1070,7 +1070,7 @@
           <a:p>
             <a:fld id="{FB14FEA3-3AA9-4FE0-AC20-4927E30B3183}" type="datetime1">
               <a:rPr lang="it-IT" smtClean="0"/>
-              <a:t>10/05/2024</a:t>
+              <a:t>11/05/2024</a:t>
             </a:fld>
             <a:endParaRPr lang="it-IT" dirty="0"/>
           </a:p>
@@ -1256,7 +1256,7 @@
           <a:p>
             <a:fld id="{2E695B4B-41C1-41AD-BB7E-621FF1538614}" type="datetime1">
               <a:rPr lang="it-IT" smtClean="0"/>
-              <a:t>10/05/2024</a:t>
+              <a:t>11/05/2024</a:t>
             </a:fld>
             <a:endParaRPr lang="it-IT" dirty="0"/>
           </a:p>
@@ -1436,7 +1436,7 @@
           <a:p>
             <a:fld id="{A0B606E2-A8BE-4019-B573-D62DEBC9BDDF}" type="datetime1">
               <a:rPr lang="it-IT" noProof="0" smtClean="0"/>
-              <a:t>10/05/2024</a:t>
+              <a:t>11/05/2024</a:t>
             </a:fld>
             <a:endParaRPr lang="it-IT" noProof="0" dirty="0"/>
           </a:p>
@@ -1877,7 +1877,7 @@
           <a:p>
             <a:fld id="{18DD48E0-971D-463A-874E-EB4D35157073}" type="datetime1">
               <a:rPr lang="it-IT" smtClean="0"/>
-              <a:t>10/05/2024</a:t>
+              <a:t>11/05/2024</a:t>
             </a:fld>
             <a:endParaRPr lang="it-IT" dirty="0"/>
           </a:p>
@@ -2322,7 +2322,7 @@
             </a:r>
             <a:fld id="{2B8102D4-BFCC-4E8A-B047-E57FCFA424D4}" type="datetime1">
               <a:rPr lang="it-IT" smtClean="0"/>
-              <a:t>10/05/2024</a:t>
+              <a:t>11/05/2024</a:t>
             </a:fld>
             <a:r>
               <a:rPr lang="it-IT"/>
@@ -2451,7 +2451,7 @@
           <a:p>
             <a:fld id="{4C689658-952B-4347-9D86-E9FB685BC43C}" type="datetime1">
               <a:rPr lang="it-IT" smtClean="0"/>
-              <a:t>10/05/2024</a:t>
+              <a:t>11/05/2024</a:t>
             </a:fld>
             <a:endParaRPr lang="it-IT" dirty="0"/>
           </a:p>
@@ -2552,7 +2552,7 @@
           <a:p>
             <a:fld id="{251C5FD6-912D-4335-989C-A9C534DEB6DE}" type="datetime1">
               <a:rPr lang="it-IT" smtClean="0"/>
-              <a:t>10/05/2024</a:t>
+              <a:t>11/05/2024</a:t>
             </a:fld>
             <a:endParaRPr lang="it-IT" dirty="0"/>
           </a:p>
@@ -2842,7 +2842,7 @@
           <a:p>
             <a:fld id="{6B1D51AF-3411-4803-A86A-EED3D477F970}" type="datetime1">
               <a:rPr lang="it-IT" smtClean="0"/>
-              <a:t>10/05/2024</a:t>
+              <a:t>11/05/2024</a:t>
             </a:fld>
             <a:endParaRPr lang="it-IT" dirty="0"/>
           </a:p>
@@ -3163,7 +3163,7 @@
           <a:p>
             <a:fld id="{793A808F-3540-4FA9-9067-F96D3A89594C}" type="datetime1">
               <a:rPr lang="it-IT" smtClean="0"/>
-              <a:t>10/05/2024</a:t>
+              <a:t>11/05/2024</a:t>
             </a:fld>
             <a:endParaRPr lang="it-IT" dirty="0"/>
           </a:p>
@@ -3377,7 +3377,7 @@
           <a:p>
             <a:fld id="{51260CBB-E677-4B4B-B125-2BE84029C5E6}" type="datetime1">
               <a:rPr lang="it-IT" smtClean="0"/>
-              <a:t>10/05/2024</a:t>
+              <a:t>11/05/2024</a:t>
             </a:fld>
             <a:endParaRPr lang="it-IT" dirty="0"/>
           </a:p>
@@ -4638,13 +4638,13 @@
   <p:clrMapOvr>
     <a:masterClrMapping/>
   </p:clrMapOvr>
-  <mc:AlternateContent xmlns:mc="http://schemas.openxmlformats.org/markup-compatibility/2006">
-    <mc:Choice xmlns:p14="http://schemas.microsoft.com/office/powerpoint/2010/main" Requires="p14">
+  <mc:AlternateContent xmlns:mc="http://schemas.openxmlformats.org/markup-compatibility/2006" xmlns:p14="http://schemas.microsoft.com/office/powerpoint/2010/main">
+    <mc:Choice Requires="p14">
       <p:transition spd="med" p14:dur="700">
         <p:fade/>
       </p:transition>
     </mc:Choice>
-    <mc:Fallback>
+    <mc:Fallback xmlns="">
       <p:transition spd="med">
         <p:fade/>
       </p:transition>
@@ -5532,13 +5532,13 @@
   <p:clrMapOvr>
     <a:masterClrMapping/>
   </p:clrMapOvr>
-  <mc:AlternateContent xmlns:mc="http://schemas.openxmlformats.org/markup-compatibility/2006">
-    <mc:Choice xmlns:p14="http://schemas.microsoft.com/office/powerpoint/2010/main" Requires="p14">
+  <mc:AlternateContent xmlns:mc="http://schemas.openxmlformats.org/markup-compatibility/2006" xmlns:p14="http://schemas.microsoft.com/office/powerpoint/2010/main">
+    <mc:Choice Requires="p14">
       <p:transition spd="med" p14:dur="700">
         <p:fade/>
       </p:transition>
     </mc:Choice>
-    <mc:Fallback>
+    <mc:Fallback xmlns="">
       <p:transition spd="med">
         <p:fade/>
       </p:transition>
@@ -5597,13 +5597,13 @@
   <p:clrMapOvr>
     <a:masterClrMapping/>
   </p:clrMapOvr>
-  <mc:AlternateContent xmlns:mc="http://schemas.openxmlformats.org/markup-compatibility/2006">
-    <mc:Choice xmlns:p14="http://schemas.microsoft.com/office/powerpoint/2010/main" Requires="p14">
+  <mc:AlternateContent xmlns:mc="http://schemas.openxmlformats.org/markup-compatibility/2006" xmlns:p14="http://schemas.microsoft.com/office/powerpoint/2010/main">
+    <mc:Choice Requires="p14">
       <p:transition spd="med" p14:dur="700">
         <p:fade/>
       </p:transition>
     </mc:Choice>
-    <mc:Fallback>
+    <mc:Fallback xmlns="">
       <p:transition spd="med">
         <p:fade/>
       </p:transition>
@@ -6478,7 +6478,29 @@
                 <a:ea typeface="+mj-ea"/>
                 <a:cs typeface="+mj-cs"/>
               </a:rPr>
-              <a:t>Al fine di valutare il numero di valutare l’efficienza di un algoritmo, possiamo valutare il numero di messaggi scambiati, consideriamo due casi:</a:t>
+              <a:t>Al fine di valutare l’efficienza di un algoritmo, possiamo considerare il numero di messaggi scambiati</a:t>
+            </a:r>
+            <a:r>
+              <a:rPr lang="it-IT">
+                <a:solidFill>
+                  <a:schemeClr val="tx1"/>
+                </a:solidFill>
+                <a:latin typeface="Consolas"/>
+                <a:ea typeface="+mj-ea"/>
+                <a:cs typeface="+mj-cs"/>
+              </a:rPr>
+              <a:t>, analizziamo </a:t>
+            </a:r>
+            <a:r>
+              <a:rPr lang="it-IT" dirty="0">
+                <a:solidFill>
+                  <a:schemeClr val="tx1"/>
+                </a:solidFill>
+                <a:latin typeface="Consolas"/>
+                <a:ea typeface="+mj-ea"/>
+                <a:cs typeface="+mj-cs"/>
+              </a:rPr>
+              <a:t>due casi:</a:t>
             </a:r>
           </a:p>
           <a:p>
@@ -9021,13 +9043,13 @@
   <p:clrMapOvr>
     <a:masterClrMapping/>
   </p:clrMapOvr>
-  <mc:AlternateContent xmlns:mc="http://schemas.openxmlformats.org/markup-compatibility/2006">
-    <mc:Choice xmlns:p14="http://schemas.microsoft.com/office/powerpoint/2010/main" Requires="p14">
+  <mc:AlternateContent xmlns:mc="http://schemas.openxmlformats.org/markup-compatibility/2006" xmlns:p14="http://schemas.microsoft.com/office/powerpoint/2010/main">
+    <mc:Choice Requires="p14">
       <p:transition spd="med" p14:dur="700">
         <p:fade/>
       </p:transition>
     </mc:Choice>
-    <mc:Fallback>
+    <mc:Fallback xmlns="">
       <p:transition spd="med">
         <p:fade/>
       </p:transition>
@@ -9883,13 +9905,13 @@
   <p:clrMapOvr>
     <a:masterClrMapping/>
   </p:clrMapOvr>
-  <mc:AlternateContent xmlns:mc="http://schemas.openxmlformats.org/markup-compatibility/2006">
-    <mc:Choice xmlns:p14="http://schemas.microsoft.com/office/powerpoint/2010/main" Requires="p14">
+  <mc:AlternateContent xmlns:mc="http://schemas.openxmlformats.org/markup-compatibility/2006" xmlns:p14="http://schemas.microsoft.com/office/powerpoint/2010/main">
+    <mc:Choice Requires="p14">
       <p:transition spd="med" p14:dur="700">
         <p:fade/>
       </p:transition>
     </mc:Choice>
-    <mc:Fallback>
+    <mc:Fallback xmlns="">
       <p:transition spd="med">
         <p:fade/>
       </p:transition>
@@ -11304,129 +11326,12 @@
 </file>
 
 <file path=customXml/item1.xml><?xml version="1.0" encoding="utf-8"?>
-<p:properties xmlns:p="http://schemas.microsoft.com/office/2006/metadata/properties" xmlns:xsi="http://www.w3.org/2001/XMLSchema-instance" xmlns:pc="http://schemas.microsoft.com/office/infopath/2007/PartnerControls">
-  <documentManagement>
-    <DirectSourceMarket xmlns="4873beb7-5857-4685-be1f-d57550cc96cc" xsi:nil="true"/>
-    <ApprovalStatus xmlns="4873beb7-5857-4685-be1f-d57550cc96cc">InProgress</ApprovalStatus>
-    <MarketSpecific xmlns="4873beb7-5857-4685-be1f-d57550cc96cc">false</MarketSpecific>
-    <LocComments xmlns="4873beb7-5857-4685-be1f-d57550cc96cc" xsi:nil="true"/>
-    <ThumbnailAssetId xmlns="4873beb7-5857-4685-be1f-d57550cc96cc" xsi:nil="true"/>
-    <PrimaryImageGen xmlns="4873beb7-5857-4685-be1f-d57550cc96cc">true</PrimaryImageGen>
-    <LegacyData xmlns="4873beb7-5857-4685-be1f-d57550cc96cc" xsi:nil="true"/>
-    <LocRecommendedHandoff xmlns="4873beb7-5857-4685-be1f-d57550cc96cc" xsi:nil="true"/>
-    <BusinessGroup xmlns="4873beb7-5857-4685-be1f-d57550cc96cc" xsi:nil="true"/>
-    <BlockPublish xmlns="4873beb7-5857-4685-be1f-d57550cc96cc">false</BlockPublish>
-    <TPFriendlyName xmlns="4873beb7-5857-4685-be1f-d57550cc96cc" xsi:nil="true"/>
-    <NumericId xmlns="4873beb7-5857-4685-be1f-d57550cc96cc" xsi:nil="true"/>
-    <APEditor xmlns="4873beb7-5857-4685-be1f-d57550cc96cc">
-      <UserInfo>
-        <DisplayName/>
-        <AccountId xsi:nil="true"/>
-        <AccountType/>
-      </UserInfo>
-    </APEditor>
-    <SourceTitle xmlns="4873beb7-5857-4685-be1f-d57550cc96cc" xsi:nil="true"/>
-    <OpenTemplate xmlns="4873beb7-5857-4685-be1f-d57550cc96cc">true</OpenTemplate>
-    <UALocComments xmlns="4873beb7-5857-4685-be1f-d57550cc96cc" xsi:nil="true"/>
-    <ParentAssetId xmlns="4873beb7-5857-4685-be1f-d57550cc96cc" xsi:nil="true"/>
-    <IntlLangReviewDate xmlns="4873beb7-5857-4685-be1f-d57550cc96cc" xsi:nil="true"/>
-    <FeatureTagsTaxHTField0 xmlns="4873beb7-5857-4685-be1f-d57550cc96cc">
-      <Terms xmlns="http://schemas.microsoft.com/office/infopath/2007/PartnerControls"/>
-    </FeatureTagsTaxHTField0>
-    <PublishStatusLookup xmlns="4873beb7-5857-4685-be1f-d57550cc96cc">
-      <Value>1566889</Value>
-    </PublishStatusLookup>
-    <Providers xmlns="4873beb7-5857-4685-be1f-d57550cc96cc" xsi:nil="true"/>
-    <MachineTranslated xmlns="4873beb7-5857-4685-be1f-d57550cc96cc">false</MachineTranslated>
-    <OriginalSourceMarket xmlns="4873beb7-5857-4685-be1f-d57550cc96cc" xsi:nil="true"/>
-    <APDescription xmlns="4873beb7-5857-4685-be1f-d57550cc96cc" xsi:nil="true"/>
-    <ClipArtFilename xmlns="4873beb7-5857-4685-be1f-d57550cc96cc" xsi:nil="true"/>
-    <ContentItem xmlns="4873beb7-5857-4685-be1f-d57550cc96cc" xsi:nil="true"/>
-    <TPInstallLocation xmlns="4873beb7-5857-4685-be1f-d57550cc96cc" xsi:nil="true"/>
-    <PublishTargets xmlns="4873beb7-5857-4685-be1f-d57550cc96cc">OfficeOnlineVNext</PublishTargets>
-    <TimesCloned xmlns="4873beb7-5857-4685-be1f-d57550cc96cc" xsi:nil="true"/>
-    <AssetStart xmlns="4873beb7-5857-4685-be1f-d57550cc96cc">2012-05-23T08:44:00+00:00</AssetStart>
-    <Provider xmlns="4873beb7-5857-4685-be1f-d57550cc96cc" xsi:nil="true"/>
-    <AcquiredFrom xmlns="4873beb7-5857-4685-be1f-d57550cc96cc">Internal MS</AcquiredFrom>
-    <FriendlyTitle xmlns="4873beb7-5857-4685-be1f-d57550cc96cc" xsi:nil="true"/>
-    <LastHandOff xmlns="4873beb7-5857-4685-be1f-d57550cc96cc" xsi:nil="true"/>
-    <TPClientViewer xmlns="4873beb7-5857-4685-be1f-d57550cc96cc" xsi:nil="true"/>
-    <UACurrentWords xmlns="4873beb7-5857-4685-be1f-d57550cc96cc" xsi:nil="true"/>
-    <ArtSampleDocs xmlns="4873beb7-5857-4685-be1f-d57550cc96cc" xsi:nil="true"/>
-    <UALocRecommendation xmlns="4873beb7-5857-4685-be1f-d57550cc96cc">Localize</UALocRecommendation>
-    <Manager xmlns="4873beb7-5857-4685-be1f-d57550cc96cc" xsi:nil="true"/>
-    <ShowIn xmlns="4873beb7-5857-4685-be1f-d57550cc96cc">Show everywhere</ShowIn>
-    <UANotes xmlns="4873beb7-5857-4685-be1f-d57550cc96cc" xsi:nil="true"/>
-    <TemplateStatus xmlns="4873beb7-5857-4685-be1f-d57550cc96cc">Complete</TemplateStatus>
-    <InternalTagsTaxHTField0 xmlns="4873beb7-5857-4685-be1f-d57550cc96cc">
-      <Terms xmlns="http://schemas.microsoft.com/office/infopath/2007/PartnerControls"/>
-    </InternalTagsTaxHTField0>
-    <CSXHash xmlns="4873beb7-5857-4685-be1f-d57550cc96cc" xsi:nil="true"/>
-    <Downloads xmlns="4873beb7-5857-4685-be1f-d57550cc96cc">0</Downloads>
-    <VoteCount xmlns="4873beb7-5857-4685-be1f-d57550cc96cc" xsi:nil="true"/>
-    <OOCacheId xmlns="4873beb7-5857-4685-be1f-d57550cc96cc" xsi:nil="true"/>
-    <IsDeleted xmlns="4873beb7-5857-4685-be1f-d57550cc96cc">false</IsDeleted>
-    <AssetExpire xmlns="4873beb7-5857-4685-be1f-d57550cc96cc">2029-01-01T08:00:00+00:00</AssetExpire>
-    <DSATActionTaken xmlns="4873beb7-5857-4685-be1f-d57550cc96cc" xsi:nil="true"/>
-    <CSXSubmissionMarket xmlns="4873beb7-5857-4685-be1f-d57550cc96cc" xsi:nil="true"/>
-    <TPExecutable xmlns="4873beb7-5857-4685-be1f-d57550cc96cc" xsi:nil="true"/>
-    <SubmitterId xmlns="4873beb7-5857-4685-be1f-d57550cc96cc" xsi:nil="true"/>
-    <EditorialTags xmlns="4873beb7-5857-4685-be1f-d57550cc96cc" xsi:nil="true"/>
-    <ApprovalLog xmlns="4873beb7-5857-4685-be1f-d57550cc96cc" xsi:nil="true"/>
-    <AssetType xmlns="4873beb7-5857-4685-be1f-d57550cc96cc">TP</AssetType>
-    <BugNumber xmlns="4873beb7-5857-4685-be1f-d57550cc96cc" xsi:nil="true"/>
-    <CSXSubmissionDate xmlns="4873beb7-5857-4685-be1f-d57550cc96cc" xsi:nil="true"/>
-    <CSXUpdate xmlns="4873beb7-5857-4685-be1f-d57550cc96cc">false</CSXUpdate>
-    <Milestone xmlns="4873beb7-5857-4685-be1f-d57550cc96cc" xsi:nil="true"/>
-    <RecommendationsModifier xmlns="4873beb7-5857-4685-be1f-d57550cc96cc" xsi:nil="true"/>
-    <OriginAsset xmlns="4873beb7-5857-4685-be1f-d57550cc96cc" xsi:nil="true"/>
-    <TPComponent xmlns="4873beb7-5857-4685-be1f-d57550cc96cc" xsi:nil="true"/>
-    <AssetId xmlns="4873beb7-5857-4685-be1f-d57550cc96cc">TP102901017</AssetId>
-    <IntlLocPriority xmlns="4873beb7-5857-4685-be1f-d57550cc96cc" xsi:nil="true"/>
-    <PolicheckWords xmlns="4873beb7-5857-4685-be1f-d57550cc96cc" xsi:nil="true"/>
-    <TPLaunchHelpLink xmlns="4873beb7-5857-4685-be1f-d57550cc96cc" xsi:nil="true"/>
-    <TPApplication xmlns="4873beb7-5857-4685-be1f-d57550cc96cc" xsi:nil="true"/>
-    <CrawlForDependencies xmlns="4873beb7-5857-4685-be1f-d57550cc96cc">false</CrawlForDependencies>
-    <HandoffToMSDN xmlns="4873beb7-5857-4685-be1f-d57550cc96cc" xsi:nil="true"/>
-    <PlannedPubDate xmlns="4873beb7-5857-4685-be1f-d57550cc96cc" xsi:nil="true"/>
-    <IntlLangReviewer xmlns="4873beb7-5857-4685-be1f-d57550cc96cc" xsi:nil="true"/>
-    <TrustLevel xmlns="4873beb7-5857-4685-be1f-d57550cc96cc">1 Microsoft Managed Content</TrustLevel>
-    <LocLastLocAttemptVersionLookup xmlns="4873beb7-5857-4685-be1f-d57550cc96cc">836753</LocLastLocAttemptVersionLookup>
-    <IsSearchable xmlns="4873beb7-5857-4685-be1f-d57550cc96cc">true</IsSearchable>
-    <TemplateTemplateType xmlns="4873beb7-5857-4685-be1f-d57550cc96cc">PowerPoint Design Template</TemplateTemplateType>
-    <CampaignTagsTaxHTField0 xmlns="4873beb7-5857-4685-be1f-d57550cc96cc">
-      <Terms xmlns="http://schemas.microsoft.com/office/infopath/2007/PartnerControls"/>
-    </CampaignTagsTaxHTField0>
-    <TPNamespace xmlns="4873beb7-5857-4685-be1f-d57550cc96cc" xsi:nil="true"/>
-    <TaxCatchAll xmlns="4873beb7-5857-4685-be1f-d57550cc96cc"/>
-    <Markets xmlns="4873beb7-5857-4685-be1f-d57550cc96cc"/>
-    <UAProjectedTotalWords xmlns="4873beb7-5857-4685-be1f-d57550cc96cc" xsi:nil="true"/>
-    <IntlLangReview xmlns="4873beb7-5857-4685-be1f-d57550cc96cc">false</IntlLangReview>
-    <OutputCachingOn xmlns="4873beb7-5857-4685-be1f-d57550cc96cc">false</OutputCachingOn>
-    <AverageRating xmlns="4873beb7-5857-4685-be1f-d57550cc96cc" xsi:nil="true"/>
-    <APAuthor xmlns="4873beb7-5857-4685-be1f-d57550cc96cc">
-      <UserInfo>
-        <DisplayName>REDMOND\v-anij</DisplayName>
-        <AccountId>2469</AccountId>
-        <AccountType/>
-      </UserInfo>
-    </APAuthor>
-    <LocManualTestRequired xmlns="4873beb7-5857-4685-be1f-d57550cc96cc">false</LocManualTestRequired>
-    <TPCommandLine xmlns="4873beb7-5857-4685-be1f-d57550cc96cc" xsi:nil="true"/>
-    <TPAppVersion xmlns="4873beb7-5857-4685-be1f-d57550cc96cc" xsi:nil="true"/>
-    <EditorialStatus xmlns="4873beb7-5857-4685-be1f-d57550cc96cc">Complete</EditorialStatus>
-    <LastModifiedDateTime xmlns="4873beb7-5857-4685-be1f-d57550cc96cc" xsi:nil="true"/>
-    <ScenarioTagsTaxHTField0 xmlns="4873beb7-5857-4685-be1f-d57550cc96cc">
-      <Terms xmlns="http://schemas.microsoft.com/office/infopath/2007/PartnerControls"/>
-    </ScenarioTagsTaxHTField0>
-    <OriginalRelease xmlns="4873beb7-5857-4685-be1f-d57550cc96cc">15</OriginalRelease>
-    <TPLaunchHelpLinkType xmlns="4873beb7-5857-4685-be1f-d57550cc96cc">Template</TPLaunchHelpLinkType>
-    <LocalizationTagsTaxHTField0 xmlns="4873beb7-5857-4685-be1f-d57550cc96cc">
-      <Terms xmlns="http://schemas.microsoft.com/office/infopath/2007/PartnerControls"/>
-    </LocalizationTagsTaxHTField0>
-    <LocMarketGroupTiers2 xmlns="4873beb7-5857-4685-be1f-d57550cc96cc" xsi:nil="true"/>
-  </documentManagement>
-</p:properties>
+<?mso-contentType ?>
+<FormTemplates xmlns="http://schemas.microsoft.com/sharepoint/v3/contenttype/forms">
+  <Display>DocumentLibraryForm</Display>
+  <Edit>AssetEditForm</Edit>
+  <New>DocumentLibraryForm</New>
+</FormTemplates>
 </file>
 
 <file path=customXml/item2.xml><?xml version="1.0" encoding="utf-8"?>
@@ -12470,26 +12375,135 @@
 </file>
 
 <file path=customXml/item3.xml><?xml version="1.0" encoding="utf-8"?>
-<?mso-contentType ?>
-<FormTemplates xmlns="http://schemas.microsoft.com/sharepoint/v3/contenttype/forms">
-  <Display>DocumentLibraryForm</Display>
-  <Edit>AssetEditForm</Edit>
-  <New>DocumentLibraryForm</New>
-</FormTemplates>
+<p:properties xmlns:p="http://schemas.microsoft.com/office/2006/metadata/properties" xmlns:xsi="http://www.w3.org/2001/XMLSchema-instance" xmlns:pc="http://schemas.microsoft.com/office/infopath/2007/PartnerControls">
+  <documentManagement>
+    <DirectSourceMarket xmlns="4873beb7-5857-4685-be1f-d57550cc96cc" xsi:nil="true"/>
+    <ApprovalStatus xmlns="4873beb7-5857-4685-be1f-d57550cc96cc">InProgress</ApprovalStatus>
+    <MarketSpecific xmlns="4873beb7-5857-4685-be1f-d57550cc96cc">false</MarketSpecific>
+    <LocComments xmlns="4873beb7-5857-4685-be1f-d57550cc96cc" xsi:nil="true"/>
+    <ThumbnailAssetId xmlns="4873beb7-5857-4685-be1f-d57550cc96cc" xsi:nil="true"/>
+    <PrimaryImageGen xmlns="4873beb7-5857-4685-be1f-d57550cc96cc">true</PrimaryImageGen>
+    <LegacyData xmlns="4873beb7-5857-4685-be1f-d57550cc96cc" xsi:nil="true"/>
+    <LocRecommendedHandoff xmlns="4873beb7-5857-4685-be1f-d57550cc96cc" xsi:nil="true"/>
+    <BusinessGroup xmlns="4873beb7-5857-4685-be1f-d57550cc96cc" xsi:nil="true"/>
+    <BlockPublish xmlns="4873beb7-5857-4685-be1f-d57550cc96cc">false</BlockPublish>
+    <TPFriendlyName xmlns="4873beb7-5857-4685-be1f-d57550cc96cc" xsi:nil="true"/>
+    <NumericId xmlns="4873beb7-5857-4685-be1f-d57550cc96cc" xsi:nil="true"/>
+    <APEditor xmlns="4873beb7-5857-4685-be1f-d57550cc96cc">
+      <UserInfo>
+        <DisplayName/>
+        <AccountId xsi:nil="true"/>
+        <AccountType/>
+      </UserInfo>
+    </APEditor>
+    <SourceTitle xmlns="4873beb7-5857-4685-be1f-d57550cc96cc" xsi:nil="true"/>
+    <OpenTemplate xmlns="4873beb7-5857-4685-be1f-d57550cc96cc">true</OpenTemplate>
+    <UALocComments xmlns="4873beb7-5857-4685-be1f-d57550cc96cc" xsi:nil="true"/>
+    <ParentAssetId xmlns="4873beb7-5857-4685-be1f-d57550cc96cc" xsi:nil="true"/>
+    <IntlLangReviewDate xmlns="4873beb7-5857-4685-be1f-d57550cc96cc" xsi:nil="true"/>
+    <FeatureTagsTaxHTField0 xmlns="4873beb7-5857-4685-be1f-d57550cc96cc">
+      <Terms xmlns="http://schemas.microsoft.com/office/infopath/2007/PartnerControls"/>
+    </FeatureTagsTaxHTField0>
+    <PublishStatusLookup xmlns="4873beb7-5857-4685-be1f-d57550cc96cc">
+      <Value>1566889</Value>
+    </PublishStatusLookup>
+    <Providers xmlns="4873beb7-5857-4685-be1f-d57550cc96cc" xsi:nil="true"/>
+    <MachineTranslated xmlns="4873beb7-5857-4685-be1f-d57550cc96cc">false</MachineTranslated>
+    <OriginalSourceMarket xmlns="4873beb7-5857-4685-be1f-d57550cc96cc" xsi:nil="true"/>
+    <APDescription xmlns="4873beb7-5857-4685-be1f-d57550cc96cc" xsi:nil="true"/>
+    <ClipArtFilename xmlns="4873beb7-5857-4685-be1f-d57550cc96cc" xsi:nil="true"/>
+    <ContentItem xmlns="4873beb7-5857-4685-be1f-d57550cc96cc" xsi:nil="true"/>
+    <TPInstallLocation xmlns="4873beb7-5857-4685-be1f-d57550cc96cc" xsi:nil="true"/>
+    <PublishTargets xmlns="4873beb7-5857-4685-be1f-d57550cc96cc">OfficeOnlineVNext</PublishTargets>
+    <TimesCloned xmlns="4873beb7-5857-4685-be1f-d57550cc96cc" xsi:nil="true"/>
+    <AssetStart xmlns="4873beb7-5857-4685-be1f-d57550cc96cc">2012-05-23T08:44:00+00:00</AssetStart>
+    <Provider xmlns="4873beb7-5857-4685-be1f-d57550cc96cc" xsi:nil="true"/>
+    <AcquiredFrom xmlns="4873beb7-5857-4685-be1f-d57550cc96cc">Internal MS</AcquiredFrom>
+    <FriendlyTitle xmlns="4873beb7-5857-4685-be1f-d57550cc96cc" xsi:nil="true"/>
+    <LastHandOff xmlns="4873beb7-5857-4685-be1f-d57550cc96cc" xsi:nil="true"/>
+    <TPClientViewer xmlns="4873beb7-5857-4685-be1f-d57550cc96cc" xsi:nil="true"/>
+    <UACurrentWords xmlns="4873beb7-5857-4685-be1f-d57550cc96cc" xsi:nil="true"/>
+    <ArtSampleDocs xmlns="4873beb7-5857-4685-be1f-d57550cc96cc" xsi:nil="true"/>
+    <UALocRecommendation xmlns="4873beb7-5857-4685-be1f-d57550cc96cc">Localize</UALocRecommendation>
+    <Manager xmlns="4873beb7-5857-4685-be1f-d57550cc96cc" xsi:nil="true"/>
+    <ShowIn xmlns="4873beb7-5857-4685-be1f-d57550cc96cc">Show everywhere</ShowIn>
+    <UANotes xmlns="4873beb7-5857-4685-be1f-d57550cc96cc" xsi:nil="true"/>
+    <TemplateStatus xmlns="4873beb7-5857-4685-be1f-d57550cc96cc">Complete</TemplateStatus>
+    <InternalTagsTaxHTField0 xmlns="4873beb7-5857-4685-be1f-d57550cc96cc">
+      <Terms xmlns="http://schemas.microsoft.com/office/infopath/2007/PartnerControls"/>
+    </InternalTagsTaxHTField0>
+    <CSXHash xmlns="4873beb7-5857-4685-be1f-d57550cc96cc" xsi:nil="true"/>
+    <Downloads xmlns="4873beb7-5857-4685-be1f-d57550cc96cc">0</Downloads>
+    <VoteCount xmlns="4873beb7-5857-4685-be1f-d57550cc96cc" xsi:nil="true"/>
+    <OOCacheId xmlns="4873beb7-5857-4685-be1f-d57550cc96cc" xsi:nil="true"/>
+    <IsDeleted xmlns="4873beb7-5857-4685-be1f-d57550cc96cc">false</IsDeleted>
+    <AssetExpire xmlns="4873beb7-5857-4685-be1f-d57550cc96cc">2029-01-01T08:00:00+00:00</AssetExpire>
+    <DSATActionTaken xmlns="4873beb7-5857-4685-be1f-d57550cc96cc" xsi:nil="true"/>
+    <CSXSubmissionMarket xmlns="4873beb7-5857-4685-be1f-d57550cc96cc" xsi:nil="true"/>
+    <TPExecutable xmlns="4873beb7-5857-4685-be1f-d57550cc96cc" xsi:nil="true"/>
+    <SubmitterId xmlns="4873beb7-5857-4685-be1f-d57550cc96cc" xsi:nil="true"/>
+    <EditorialTags xmlns="4873beb7-5857-4685-be1f-d57550cc96cc" xsi:nil="true"/>
+    <ApprovalLog xmlns="4873beb7-5857-4685-be1f-d57550cc96cc" xsi:nil="true"/>
+    <AssetType xmlns="4873beb7-5857-4685-be1f-d57550cc96cc">TP</AssetType>
+    <BugNumber xmlns="4873beb7-5857-4685-be1f-d57550cc96cc" xsi:nil="true"/>
+    <CSXSubmissionDate xmlns="4873beb7-5857-4685-be1f-d57550cc96cc" xsi:nil="true"/>
+    <CSXUpdate xmlns="4873beb7-5857-4685-be1f-d57550cc96cc">false</CSXUpdate>
+    <Milestone xmlns="4873beb7-5857-4685-be1f-d57550cc96cc" xsi:nil="true"/>
+    <RecommendationsModifier xmlns="4873beb7-5857-4685-be1f-d57550cc96cc" xsi:nil="true"/>
+    <OriginAsset xmlns="4873beb7-5857-4685-be1f-d57550cc96cc" xsi:nil="true"/>
+    <TPComponent xmlns="4873beb7-5857-4685-be1f-d57550cc96cc" xsi:nil="true"/>
+    <AssetId xmlns="4873beb7-5857-4685-be1f-d57550cc96cc">TP102901017</AssetId>
+    <IntlLocPriority xmlns="4873beb7-5857-4685-be1f-d57550cc96cc" xsi:nil="true"/>
+    <PolicheckWords xmlns="4873beb7-5857-4685-be1f-d57550cc96cc" xsi:nil="true"/>
+    <TPLaunchHelpLink xmlns="4873beb7-5857-4685-be1f-d57550cc96cc" xsi:nil="true"/>
+    <TPApplication xmlns="4873beb7-5857-4685-be1f-d57550cc96cc" xsi:nil="true"/>
+    <CrawlForDependencies xmlns="4873beb7-5857-4685-be1f-d57550cc96cc">false</CrawlForDependencies>
+    <HandoffToMSDN xmlns="4873beb7-5857-4685-be1f-d57550cc96cc" xsi:nil="true"/>
+    <PlannedPubDate xmlns="4873beb7-5857-4685-be1f-d57550cc96cc" xsi:nil="true"/>
+    <IntlLangReviewer xmlns="4873beb7-5857-4685-be1f-d57550cc96cc" xsi:nil="true"/>
+    <TrustLevel xmlns="4873beb7-5857-4685-be1f-d57550cc96cc">1 Microsoft Managed Content</TrustLevel>
+    <LocLastLocAttemptVersionLookup xmlns="4873beb7-5857-4685-be1f-d57550cc96cc">836753</LocLastLocAttemptVersionLookup>
+    <IsSearchable xmlns="4873beb7-5857-4685-be1f-d57550cc96cc">true</IsSearchable>
+    <TemplateTemplateType xmlns="4873beb7-5857-4685-be1f-d57550cc96cc">PowerPoint Design Template</TemplateTemplateType>
+    <CampaignTagsTaxHTField0 xmlns="4873beb7-5857-4685-be1f-d57550cc96cc">
+      <Terms xmlns="http://schemas.microsoft.com/office/infopath/2007/PartnerControls"/>
+    </CampaignTagsTaxHTField0>
+    <TPNamespace xmlns="4873beb7-5857-4685-be1f-d57550cc96cc" xsi:nil="true"/>
+    <TaxCatchAll xmlns="4873beb7-5857-4685-be1f-d57550cc96cc"/>
+    <Markets xmlns="4873beb7-5857-4685-be1f-d57550cc96cc"/>
+    <UAProjectedTotalWords xmlns="4873beb7-5857-4685-be1f-d57550cc96cc" xsi:nil="true"/>
+    <IntlLangReview xmlns="4873beb7-5857-4685-be1f-d57550cc96cc">false</IntlLangReview>
+    <OutputCachingOn xmlns="4873beb7-5857-4685-be1f-d57550cc96cc">false</OutputCachingOn>
+    <AverageRating xmlns="4873beb7-5857-4685-be1f-d57550cc96cc" xsi:nil="true"/>
+    <APAuthor xmlns="4873beb7-5857-4685-be1f-d57550cc96cc">
+      <UserInfo>
+        <DisplayName>REDMOND\v-anij</DisplayName>
+        <AccountId>2469</AccountId>
+        <AccountType/>
+      </UserInfo>
+    </APAuthor>
+    <LocManualTestRequired xmlns="4873beb7-5857-4685-be1f-d57550cc96cc">false</LocManualTestRequired>
+    <TPCommandLine xmlns="4873beb7-5857-4685-be1f-d57550cc96cc" xsi:nil="true"/>
+    <TPAppVersion xmlns="4873beb7-5857-4685-be1f-d57550cc96cc" xsi:nil="true"/>
+    <EditorialStatus xmlns="4873beb7-5857-4685-be1f-d57550cc96cc">Complete</EditorialStatus>
+    <LastModifiedDateTime xmlns="4873beb7-5857-4685-be1f-d57550cc96cc" xsi:nil="true"/>
+    <ScenarioTagsTaxHTField0 xmlns="4873beb7-5857-4685-be1f-d57550cc96cc">
+      <Terms xmlns="http://schemas.microsoft.com/office/infopath/2007/PartnerControls"/>
+    </ScenarioTagsTaxHTField0>
+    <OriginalRelease xmlns="4873beb7-5857-4685-be1f-d57550cc96cc">15</OriginalRelease>
+    <TPLaunchHelpLinkType xmlns="4873beb7-5857-4685-be1f-d57550cc96cc">Template</TPLaunchHelpLinkType>
+    <LocalizationTagsTaxHTField0 xmlns="4873beb7-5857-4685-be1f-d57550cc96cc">
+      <Terms xmlns="http://schemas.microsoft.com/office/infopath/2007/PartnerControls"/>
+    </LocalizationTagsTaxHTField0>
+    <LocMarketGroupTiers2 xmlns="4873beb7-5857-4685-be1f-d57550cc96cc" xsi:nil="true"/>
+  </documentManagement>
+</p:properties>
 </file>
 
 <file path=customXml/itemProps1.xml><?xml version="1.0" encoding="utf-8"?>
-<ds:datastoreItem xmlns:ds="http://schemas.openxmlformats.org/officeDocument/2006/customXml" ds:itemID="{04098515-0C12-46CF-BC7C-69B4A13CD5FA}">
+<ds:datastoreItem xmlns:ds="http://schemas.openxmlformats.org/officeDocument/2006/customXml" ds:itemID="{746CFF6F-D9AA-4BC0-911A-0A1356771912}">
   <ds:schemaRefs>
-    <ds:schemaRef ds:uri="http://schemas.openxmlformats.org/package/2006/metadata/core-properties"/>
-    <ds:schemaRef ds:uri="http://schemas.microsoft.com/office/infopath/2007/PartnerControls"/>
-    <ds:schemaRef ds:uri="http://purl.org/dc/dcmitype/"/>
-    <ds:schemaRef ds:uri="http://schemas.microsoft.com/office/2006/documentManagement/types"/>
-    <ds:schemaRef ds:uri="http://www.w3.org/XML/1998/namespace"/>
-    <ds:schemaRef ds:uri="http://purl.org/dc/terms/"/>
-    <ds:schemaRef ds:uri="http://purl.org/dc/elements/1.1/"/>
-    <ds:schemaRef ds:uri="http://schemas.microsoft.com/office/2006/metadata/properties"/>
-    <ds:schemaRef ds:uri="4873beb7-5857-4685-be1f-d57550cc96cc"/>
+    <ds:schemaRef ds:uri="http://schemas.microsoft.com/sharepoint/v3/contenttype/forms"/>
   </ds:schemaRefs>
 </ds:datastoreItem>
 </file>
@@ -12513,9 +12527,17 @@
 </file>
 
 <file path=customXml/itemProps3.xml><?xml version="1.0" encoding="utf-8"?>
-<ds:datastoreItem xmlns:ds="http://schemas.openxmlformats.org/officeDocument/2006/customXml" ds:itemID="{746CFF6F-D9AA-4BC0-911A-0A1356771912}">
+<ds:datastoreItem xmlns:ds="http://schemas.openxmlformats.org/officeDocument/2006/customXml" ds:itemID="{04098515-0C12-46CF-BC7C-69B4A13CD5FA}">
   <ds:schemaRefs>
-    <ds:schemaRef ds:uri="http://schemas.microsoft.com/sharepoint/v3/contenttype/forms"/>
+    <ds:schemaRef ds:uri="http://schemas.openxmlformats.org/package/2006/metadata/core-properties"/>
+    <ds:schemaRef ds:uri="http://schemas.microsoft.com/office/infopath/2007/PartnerControls"/>
+    <ds:schemaRef ds:uri="http://purl.org/dc/dcmitype/"/>
+    <ds:schemaRef ds:uri="http://schemas.microsoft.com/office/2006/documentManagement/types"/>
+    <ds:schemaRef ds:uri="http://www.w3.org/XML/1998/namespace"/>
+    <ds:schemaRef ds:uri="http://purl.org/dc/terms/"/>
+    <ds:schemaRef ds:uri="http://purl.org/dc/elements/1.1/"/>
+    <ds:schemaRef ds:uri="http://schemas.microsoft.com/office/2006/metadata/properties"/>
+    <ds:schemaRef ds:uri="4873beb7-5857-4685-be1f-d57550cc96cc"/>
   </ds:schemaRefs>
 </ds:datastoreItem>
 </file>
--- a/Sistemi Distribuiti e cloud Computing.pptx
+++ b/Sistemi Distribuiti e cloud Computing.pptx
@@ -5,10 +5,10 @@
     <p:sldMasterId id="2147483648" r:id="rId4"/>
   </p:sldMasterIdLst>
   <p:notesMasterIdLst>
-    <p:notesMasterId r:id="rId41"/>
+    <p:notesMasterId r:id="rId42"/>
   </p:notesMasterIdLst>
   <p:handoutMasterIdLst>
-    <p:handoutMasterId r:id="rId42"/>
+    <p:handoutMasterId r:id="rId43"/>
   </p:handoutMasterIdLst>
   <p:sldIdLst>
     <p:sldId id="256" r:id="rId5"/>
@@ -47,6 +47,7 @@
     <p:sldId id="302" r:id="rId38"/>
     <p:sldId id="307" r:id="rId39"/>
     <p:sldId id="308" r:id="rId40"/>
+    <p:sldId id="315" r:id="rId41"/>
   </p:sldIdLst>
   <p:sldSz cx="12192000" cy="6858000"/>
   <p:notesSz cx="6858000" cy="9144000"/>
@@ -259,7 +260,7 @@
             <a:pPr algn="r" rtl="0"/>
             <a:fld id="{D50F3B11-940E-47CE-B693-CE7D23FE028D}" type="datetime1">
               <a:rPr lang="it-IT" smtClean="0"/>
-              <a:t>11/05/2024</a:t>
+              <a:t>22/05/2024</a:t>
             </a:fld>
             <a:endParaRPr lang="it-IT" dirty="0"/>
           </a:p>
@@ -429,7 +430,7 @@
             <a:fld id="{A4BF746C-B2A6-4B2E-9724-880F3AE30A67}" type="datetime1">
               <a:rPr lang="it-IT" smtClean="0"/>
               <a:pPr/>
-              <a:t>11/05/2024</a:t>
+              <a:t>22/05/2024</a:t>
             </a:fld>
             <a:endParaRPr lang="it-IT" dirty="0"/>
           </a:p>
@@ -1070,7 +1071,7 @@
           <a:p>
             <a:fld id="{FB14FEA3-3AA9-4FE0-AC20-4927E30B3183}" type="datetime1">
               <a:rPr lang="it-IT" smtClean="0"/>
-              <a:t>11/05/2024</a:t>
+              <a:t>22/05/2024</a:t>
             </a:fld>
             <a:endParaRPr lang="it-IT" dirty="0"/>
           </a:p>
@@ -1256,7 +1257,7 @@
           <a:p>
             <a:fld id="{2E695B4B-41C1-41AD-BB7E-621FF1538614}" type="datetime1">
               <a:rPr lang="it-IT" smtClean="0"/>
-              <a:t>11/05/2024</a:t>
+              <a:t>22/05/2024</a:t>
             </a:fld>
             <a:endParaRPr lang="it-IT" dirty="0"/>
           </a:p>
@@ -1436,7 +1437,7 @@
           <a:p>
             <a:fld id="{A0B606E2-A8BE-4019-B573-D62DEBC9BDDF}" type="datetime1">
               <a:rPr lang="it-IT" noProof="0" smtClean="0"/>
-              <a:t>11/05/2024</a:t>
+              <a:t>22/05/2024</a:t>
             </a:fld>
             <a:endParaRPr lang="it-IT" noProof="0" dirty="0"/>
           </a:p>
@@ -1877,7 +1878,7 @@
           <a:p>
             <a:fld id="{18DD48E0-971D-463A-874E-EB4D35157073}" type="datetime1">
               <a:rPr lang="it-IT" smtClean="0"/>
-              <a:t>11/05/2024</a:t>
+              <a:t>22/05/2024</a:t>
             </a:fld>
             <a:endParaRPr lang="it-IT" dirty="0"/>
           </a:p>
@@ -2322,7 +2323,7 @@
             </a:r>
             <a:fld id="{2B8102D4-BFCC-4E8A-B047-E57FCFA424D4}" type="datetime1">
               <a:rPr lang="it-IT" smtClean="0"/>
-              <a:t>11/05/2024</a:t>
+              <a:t>22/05/2024</a:t>
             </a:fld>
             <a:r>
               <a:rPr lang="it-IT"/>
@@ -2451,7 +2452,7 @@
           <a:p>
             <a:fld id="{4C689658-952B-4347-9D86-E9FB685BC43C}" type="datetime1">
               <a:rPr lang="it-IT" smtClean="0"/>
-              <a:t>11/05/2024</a:t>
+              <a:t>22/05/2024</a:t>
             </a:fld>
             <a:endParaRPr lang="it-IT" dirty="0"/>
           </a:p>
@@ -2552,7 +2553,7 @@
           <a:p>
             <a:fld id="{251C5FD6-912D-4335-989C-A9C534DEB6DE}" type="datetime1">
               <a:rPr lang="it-IT" smtClean="0"/>
-              <a:t>11/05/2024</a:t>
+              <a:t>22/05/2024</a:t>
             </a:fld>
             <a:endParaRPr lang="it-IT" dirty="0"/>
           </a:p>
@@ -2842,7 +2843,7 @@
           <a:p>
             <a:fld id="{6B1D51AF-3411-4803-A86A-EED3D477F970}" type="datetime1">
               <a:rPr lang="it-IT" smtClean="0"/>
-              <a:t>11/05/2024</a:t>
+              <a:t>22/05/2024</a:t>
             </a:fld>
             <a:endParaRPr lang="it-IT" dirty="0"/>
           </a:p>
@@ -3163,7 +3164,7 @@
           <a:p>
             <a:fld id="{793A808F-3540-4FA9-9067-F96D3A89594C}" type="datetime1">
               <a:rPr lang="it-IT" smtClean="0"/>
-              <a:t>11/05/2024</a:t>
+              <a:t>22/05/2024</a:t>
             </a:fld>
             <a:endParaRPr lang="it-IT" dirty="0"/>
           </a:p>
@@ -3377,7 +3378,7 @@
           <a:p>
             <a:fld id="{51260CBB-E677-4B4B-B125-2BE84029C5E6}" type="datetime1">
               <a:rPr lang="it-IT" smtClean="0"/>
-              <a:t>11/05/2024</a:t>
+              <a:t>22/05/2024</a:t>
             </a:fld>
             <a:endParaRPr lang="it-IT" dirty="0"/>
           </a:p>
@@ -8980,6 +8981,104 @@
           </a:prstGeom>
         </p:spPr>
       </p:pic>
+      <p:sp>
+        <p:nvSpPr>
+          <p:cNvPr id="4" name="Rettangolo 3">
+            <a:extLst>
+              <a:ext uri="{FF2B5EF4-FFF2-40B4-BE49-F238E27FC236}">
+                <a16:creationId xmlns:a16="http://schemas.microsoft.com/office/drawing/2014/main" id="{9260C7F0-300B-3FA2-8EC4-6E335BE0F115}"/>
+              </a:ext>
+            </a:extLst>
+          </p:cNvPr>
+          <p:cNvSpPr/>
+          <p:nvPr/>
+        </p:nvSpPr>
+        <p:spPr>
+          <a:xfrm>
+            <a:off x="4367808" y="2822073"/>
+            <a:ext cx="936104" cy="288032"/>
+          </a:xfrm>
+          <a:prstGeom prst="rect">
+            <a:avLst/>
+          </a:prstGeom>
+        </p:spPr>
+        <p:style>
+          <a:lnRef idx="2">
+            <a:schemeClr val="dk1">
+              <a:shade val="15000"/>
+            </a:schemeClr>
+          </a:lnRef>
+          <a:fillRef idx="1">
+            <a:schemeClr val="dk1"/>
+          </a:fillRef>
+          <a:effectRef idx="0">
+            <a:schemeClr val="dk1"/>
+          </a:effectRef>
+          <a:fontRef idx="minor">
+            <a:schemeClr val="lt1"/>
+          </a:fontRef>
+        </p:style>
+        <p:txBody>
+          <a:bodyPr rtlCol="0" anchor="ctr"/>
+          <a:lstStyle/>
+          <a:p>
+            <a:pPr algn="ctr"/>
+            <a:r>
+              <a:rPr lang="it-IT" dirty="0"/>
+              <a:t>passive</a:t>
+            </a:r>
+          </a:p>
+        </p:txBody>
+      </p:sp>
+      <p:sp>
+        <p:nvSpPr>
+          <p:cNvPr id="5" name="Rettangolo 4">
+            <a:extLst>
+              <a:ext uri="{FF2B5EF4-FFF2-40B4-BE49-F238E27FC236}">
+                <a16:creationId xmlns:a16="http://schemas.microsoft.com/office/drawing/2014/main" id="{2FAF114F-46C6-057B-F78E-279D10B3DE9D}"/>
+              </a:ext>
+            </a:extLst>
+          </p:cNvPr>
+          <p:cNvSpPr/>
+          <p:nvPr/>
+        </p:nvSpPr>
+        <p:spPr>
+          <a:xfrm>
+            <a:off x="10344472" y="2621480"/>
+            <a:ext cx="1080120" cy="401185"/>
+          </a:xfrm>
+          <a:prstGeom prst="rect">
+            <a:avLst/>
+          </a:prstGeom>
+        </p:spPr>
+        <p:style>
+          <a:lnRef idx="2">
+            <a:schemeClr val="dk1">
+              <a:shade val="15000"/>
+            </a:schemeClr>
+          </a:lnRef>
+          <a:fillRef idx="1">
+            <a:schemeClr val="dk1"/>
+          </a:fillRef>
+          <a:effectRef idx="0">
+            <a:schemeClr val="dk1"/>
+          </a:effectRef>
+          <a:fontRef idx="minor">
+            <a:schemeClr val="lt1"/>
+          </a:fontRef>
+        </p:style>
+        <p:txBody>
+          <a:bodyPr rtlCol="0" anchor="ctr"/>
+          <a:lstStyle/>
+          <a:p>
+            <a:pPr algn="ctr"/>
+            <a:r>
+              <a:rPr lang="it-IT" dirty="0"/>
+              <a:t>passive</a:t>
+            </a:r>
+          </a:p>
+        </p:txBody>
+      </p:sp>
     </p:spTree>
     <p:extLst>
       <p:ext uri="{BB962C8B-B14F-4D97-AF65-F5344CB8AC3E}">
@@ -9743,6 +9842,154 @@
 </p:sld>
 </file>
 
+<file path=ppt/slides/slide37.xml><?xml version="1.0" encoding="utf-8"?>
+<p:sld xmlns:a="http://schemas.openxmlformats.org/drawingml/2006/main" xmlns:r="http://schemas.openxmlformats.org/officeDocument/2006/relationships" xmlns:p="http://schemas.openxmlformats.org/presentationml/2006/main">
+  <p:cSld>
+    <p:spTree>
+      <p:nvGrpSpPr>
+        <p:cNvPr id="1" name=""/>
+        <p:cNvGrpSpPr/>
+        <p:nvPr/>
+      </p:nvGrpSpPr>
+      <p:grpSpPr>
+        <a:xfrm>
+          <a:off x="0" y="0"/>
+          <a:ext cx="0" cy="0"/>
+          <a:chOff x="0" y="0"/>
+          <a:chExt cx="0" cy="0"/>
+        </a:xfrm>
+      </p:grpSpPr>
+      <p:sp>
+        <p:nvSpPr>
+          <p:cNvPr id="2" name="Titolo 1">
+            <a:extLst>
+              <a:ext uri="{FF2B5EF4-FFF2-40B4-BE49-F238E27FC236}">
+                <a16:creationId xmlns:a16="http://schemas.microsoft.com/office/drawing/2014/main" id="{24C18BFB-FCB7-B8ED-227F-1C06238D72D6}"/>
+              </a:ext>
+            </a:extLst>
+          </p:cNvPr>
+          <p:cNvSpPr>
+            <a:spLocks noGrp="1"/>
+          </p:cNvSpPr>
+          <p:nvPr>
+            <p:ph type="title"/>
+          </p:nvPr>
+        </p:nvSpPr>
+        <p:spPr>
+          <a:xfrm>
+            <a:off x="1524000" y="188640"/>
+            <a:ext cx="9144000" cy="547464"/>
+          </a:xfrm>
+        </p:spPr>
+        <p:txBody>
+          <a:bodyPr>
+            <a:normAutofit fontScale="90000"/>
+          </a:bodyPr>
+          <a:lstStyle/>
+          <a:p>
+            <a:r>
+              <a:rPr lang="it-IT" dirty="0"/>
+              <a:t>EC2</a:t>
+            </a:r>
+          </a:p>
+        </p:txBody>
+      </p:sp>
+      <p:sp>
+        <p:nvSpPr>
+          <p:cNvPr id="3" name="Segnaposto contenuto 2">
+            <a:extLst>
+              <a:ext uri="{FF2B5EF4-FFF2-40B4-BE49-F238E27FC236}">
+                <a16:creationId xmlns:a16="http://schemas.microsoft.com/office/drawing/2014/main" id="{E51F1E88-0626-C2CF-AF9F-E7DC36C014D0}"/>
+              </a:ext>
+            </a:extLst>
+          </p:cNvPr>
+          <p:cNvSpPr>
+            <a:spLocks noGrp="1"/>
+          </p:cNvSpPr>
+          <p:nvPr>
+            <p:ph idx="1"/>
+          </p:nvPr>
+        </p:nvSpPr>
+        <p:spPr>
+          <a:xfrm>
+            <a:off x="1524000" y="964704"/>
+            <a:ext cx="9144000" cy="4267200"/>
+          </a:xfrm>
+        </p:spPr>
+        <p:txBody>
+          <a:bodyPr>
+            <a:normAutofit/>
+          </a:bodyPr>
+          <a:lstStyle/>
+          <a:p>
+            <a:pPr marL="0" indent="0">
+              <a:buNone/>
+            </a:pPr>
+            <a:r>
+              <a:rPr lang="it-IT" dirty="0">
+                <a:solidFill>
+                  <a:schemeClr val="tx1"/>
+                </a:solidFill>
+                <a:latin typeface="Consolas"/>
+                <a:ea typeface="+mj-ea"/>
+                <a:cs typeface="+mj-cs"/>
+              </a:rPr>
+              <a:t>Amazon </a:t>
+            </a:r>
+            <a:r>
+              <a:rPr lang="it-IT" dirty="0" err="1">
+                <a:solidFill>
+                  <a:schemeClr val="tx1"/>
+                </a:solidFill>
+                <a:latin typeface="Consolas"/>
+                <a:ea typeface="+mj-ea"/>
+                <a:cs typeface="+mj-cs"/>
+              </a:rPr>
+              <a:t>Elastic</a:t>
+            </a:r>
+            <a:r>
+              <a:rPr lang="it-IT" dirty="0">
+                <a:solidFill>
+                  <a:schemeClr val="tx1"/>
+                </a:solidFill>
+                <a:latin typeface="Consolas"/>
+                <a:ea typeface="+mj-ea"/>
+                <a:cs typeface="+mj-cs"/>
+              </a:rPr>
+              <a:t> Compute Cloud è un servizio di calcolo basato su cloud offerto da Amazon Web Services. Consente agli utenti di eseguire istanze virtuali con vari sistemi operativi, dimensioni e configurazioni di rete, offrendo così una capacità di calcolo scalabile e flessibile.</a:t>
+            </a:r>
+          </a:p>
+          <a:p>
+            <a:pPr marL="0" indent="0">
+              <a:buNone/>
+            </a:pPr>
+            <a:r>
+              <a:rPr lang="it-IT" dirty="0">
+                <a:solidFill>
+                  <a:schemeClr val="tx1"/>
+                </a:solidFill>
+                <a:latin typeface="Consolas"/>
+                <a:ea typeface="+mj-ea"/>
+                <a:cs typeface="+mj-cs"/>
+              </a:rPr>
+              <a:t>Le istanze EC2 forniscono un’infrastruttura affidabile e on-demand per l’esecuzione di applicazioni, consentendo agli sviluppatori di distribuire facilmente le proprie soluzioni software su un ambiente cloud sicuro e gestibile. </a:t>
+            </a:r>
+          </a:p>
+        </p:txBody>
+      </p:sp>
+    </p:spTree>
+    <p:extLst>
+      <p:ext uri="{BB962C8B-B14F-4D97-AF65-F5344CB8AC3E}">
+        <p14:creationId xmlns:p14="http://schemas.microsoft.com/office/powerpoint/2010/main" val="219316990"/>
+      </p:ext>
+    </p:extLst>
+  </p:cSld>
+  <p:clrMapOvr>
+    <a:masterClrMapping/>
+  </p:clrMapOvr>
+</p:sld>
+</file>
+
 <file path=ppt/slides/slide4.xml><?xml version="1.0" encoding="utf-8"?>
 <p:sld xmlns:a="http://schemas.openxmlformats.org/drawingml/2006/main" xmlns:r="http://schemas.openxmlformats.org/officeDocument/2006/relationships" xmlns:p="http://schemas.openxmlformats.org/presentationml/2006/main">
   <p:cSld>
@@ -10179,10 +10426,10 @@
       </p:sp>
       <p:pic>
         <p:nvPicPr>
-          <p:cNvPr id="9" name="Immagine 8" descr="Immagine che contiene schermata, diagramma, testo, Piano&#10;&#10;Descrizione generata automaticamente">
+          <p:cNvPr id="5" name="Immagine 4">
             <a:extLst>
               <a:ext uri="{FF2B5EF4-FFF2-40B4-BE49-F238E27FC236}">
-                <a16:creationId xmlns:a16="http://schemas.microsoft.com/office/drawing/2014/main" id="{91082318-042A-B40E-F24D-3B73F7C316D7}"/>
+                <a16:creationId xmlns:a16="http://schemas.microsoft.com/office/drawing/2014/main" id="{A57513BE-7E15-0A99-A1DF-5C03FA48409D}"/>
               </a:ext>
             </a:extLst>
           </p:cNvPr>
@@ -10191,21 +10438,16 @@
           </p:cNvPicPr>
           <p:nvPr/>
         </p:nvPicPr>
-        <p:blipFill rotWithShape="1">
-          <a:blip r:embed="rId2">
-            <a:extLst>
-              <a:ext uri="{28A0092B-C50C-407E-A947-70E740481C1C}">
-                <a14:useLocalDpi xmlns:a14="http://schemas.microsoft.com/office/drawing/2010/main" val="0"/>
-              </a:ext>
-            </a:extLst>
-          </a:blip>
-          <a:srcRect l="4527" t="18386" r="4932" b="9911"/>
-          <a:stretch/>
+        <p:blipFill>
+          <a:blip r:embed="rId2"/>
+          <a:stretch>
+            <a:fillRect/>
+          </a:stretch>
         </p:blipFill>
         <p:spPr>
           <a:xfrm>
-            <a:off x="2135560" y="1343472"/>
-            <a:ext cx="7976273" cy="3888432"/>
+            <a:off x="1703512" y="1340768"/>
+            <a:ext cx="8496944" cy="4884117"/>
           </a:xfrm>
           <a:prstGeom prst="rect">
             <a:avLst/>
@@ -11326,12 +11568,129 @@
 </file>
 
 <file path=customXml/item1.xml><?xml version="1.0" encoding="utf-8"?>
-<?mso-contentType ?>
-<FormTemplates xmlns="http://schemas.microsoft.com/sharepoint/v3/contenttype/forms">
-  <Display>DocumentLibraryForm</Display>
-  <Edit>AssetEditForm</Edit>
-  <New>DocumentLibraryForm</New>
-</FormTemplates>
+<p:properties xmlns:p="http://schemas.microsoft.com/office/2006/metadata/properties" xmlns:xsi="http://www.w3.org/2001/XMLSchema-instance" xmlns:pc="http://schemas.microsoft.com/office/infopath/2007/PartnerControls">
+  <documentManagement>
+    <DirectSourceMarket xmlns="4873beb7-5857-4685-be1f-d57550cc96cc" xsi:nil="true"/>
+    <ApprovalStatus xmlns="4873beb7-5857-4685-be1f-d57550cc96cc">InProgress</ApprovalStatus>
+    <MarketSpecific xmlns="4873beb7-5857-4685-be1f-d57550cc96cc">false</MarketSpecific>
+    <LocComments xmlns="4873beb7-5857-4685-be1f-d57550cc96cc" xsi:nil="true"/>
+    <ThumbnailAssetId xmlns="4873beb7-5857-4685-be1f-d57550cc96cc" xsi:nil="true"/>
+    <PrimaryImageGen xmlns="4873beb7-5857-4685-be1f-d57550cc96cc">true</PrimaryImageGen>
+    <LegacyData xmlns="4873beb7-5857-4685-be1f-d57550cc96cc" xsi:nil="true"/>
+    <LocRecommendedHandoff xmlns="4873beb7-5857-4685-be1f-d57550cc96cc" xsi:nil="true"/>
+    <BusinessGroup xmlns="4873beb7-5857-4685-be1f-d57550cc96cc" xsi:nil="true"/>
+    <BlockPublish xmlns="4873beb7-5857-4685-be1f-d57550cc96cc">false</BlockPublish>
+    <TPFriendlyName xmlns="4873beb7-5857-4685-be1f-d57550cc96cc" xsi:nil="true"/>
+    <NumericId xmlns="4873beb7-5857-4685-be1f-d57550cc96cc" xsi:nil="true"/>
+    <APEditor xmlns="4873beb7-5857-4685-be1f-d57550cc96cc">
+      <UserInfo>
+        <DisplayName/>
+        <AccountId xsi:nil="true"/>
+        <AccountType/>
+      </UserInfo>
+    </APEditor>
+    <SourceTitle xmlns="4873beb7-5857-4685-be1f-d57550cc96cc" xsi:nil="true"/>
+    <OpenTemplate xmlns="4873beb7-5857-4685-be1f-d57550cc96cc">true</OpenTemplate>
+    <UALocComments xmlns="4873beb7-5857-4685-be1f-d57550cc96cc" xsi:nil="true"/>
+    <ParentAssetId xmlns="4873beb7-5857-4685-be1f-d57550cc96cc" xsi:nil="true"/>
+    <IntlLangReviewDate xmlns="4873beb7-5857-4685-be1f-d57550cc96cc" xsi:nil="true"/>
+    <FeatureTagsTaxHTField0 xmlns="4873beb7-5857-4685-be1f-d57550cc96cc">
+      <Terms xmlns="http://schemas.microsoft.com/office/infopath/2007/PartnerControls"/>
+    </FeatureTagsTaxHTField0>
+    <PublishStatusLookup xmlns="4873beb7-5857-4685-be1f-d57550cc96cc">
+      <Value>1566889</Value>
+    </PublishStatusLookup>
+    <Providers xmlns="4873beb7-5857-4685-be1f-d57550cc96cc" xsi:nil="true"/>
+    <MachineTranslated xmlns="4873beb7-5857-4685-be1f-d57550cc96cc">false</MachineTranslated>
+    <OriginalSourceMarket xmlns="4873beb7-5857-4685-be1f-d57550cc96cc" xsi:nil="true"/>
+    <APDescription xmlns="4873beb7-5857-4685-be1f-d57550cc96cc" xsi:nil="true"/>
+    <ClipArtFilename xmlns="4873beb7-5857-4685-be1f-d57550cc96cc" xsi:nil="true"/>
+    <ContentItem xmlns="4873beb7-5857-4685-be1f-d57550cc96cc" xsi:nil="true"/>
+    <TPInstallLocation xmlns="4873beb7-5857-4685-be1f-d57550cc96cc" xsi:nil="true"/>
+    <PublishTargets xmlns="4873beb7-5857-4685-be1f-d57550cc96cc">OfficeOnlineVNext</PublishTargets>
+    <TimesCloned xmlns="4873beb7-5857-4685-be1f-d57550cc96cc" xsi:nil="true"/>
+    <AssetStart xmlns="4873beb7-5857-4685-be1f-d57550cc96cc">2012-05-23T08:44:00+00:00</AssetStart>
+    <Provider xmlns="4873beb7-5857-4685-be1f-d57550cc96cc" xsi:nil="true"/>
+    <AcquiredFrom xmlns="4873beb7-5857-4685-be1f-d57550cc96cc">Internal MS</AcquiredFrom>
+    <FriendlyTitle xmlns="4873beb7-5857-4685-be1f-d57550cc96cc" xsi:nil="true"/>
+    <LastHandOff xmlns="4873beb7-5857-4685-be1f-d57550cc96cc" xsi:nil="true"/>
+    <TPClientViewer xmlns="4873beb7-5857-4685-be1f-d57550cc96cc" xsi:nil="true"/>
+    <UACurrentWords xmlns="4873beb7-5857-4685-be1f-d57550cc96cc" xsi:nil="true"/>
+    <ArtSampleDocs xmlns="4873beb7-5857-4685-be1f-d57550cc96cc" xsi:nil="true"/>
+    <UALocRecommendation xmlns="4873beb7-5857-4685-be1f-d57550cc96cc">Localize</UALocRecommendation>
+    <Manager xmlns="4873beb7-5857-4685-be1f-d57550cc96cc" xsi:nil="true"/>
+    <ShowIn xmlns="4873beb7-5857-4685-be1f-d57550cc96cc">Show everywhere</ShowIn>
+    <UANotes xmlns="4873beb7-5857-4685-be1f-d57550cc96cc" xsi:nil="true"/>
+    <TemplateStatus xmlns="4873beb7-5857-4685-be1f-d57550cc96cc">Complete</TemplateStatus>
+    <InternalTagsTaxHTField0 xmlns="4873beb7-5857-4685-be1f-d57550cc96cc">
+      <Terms xmlns="http://schemas.microsoft.com/office/infopath/2007/PartnerControls"/>
+    </InternalTagsTaxHTField0>
+    <CSXHash xmlns="4873beb7-5857-4685-be1f-d57550cc96cc" xsi:nil="true"/>
+    <Downloads xmlns="4873beb7-5857-4685-be1f-d57550cc96cc">0</Downloads>
+    <VoteCount xmlns="4873beb7-5857-4685-be1f-d57550cc96cc" xsi:nil="true"/>
+    <OOCacheId xmlns="4873beb7-5857-4685-be1f-d57550cc96cc" xsi:nil="true"/>
+    <IsDeleted xmlns="4873beb7-5857-4685-be1f-d57550cc96cc">false</IsDeleted>
+    <AssetExpire xmlns="4873beb7-5857-4685-be1f-d57550cc96cc">2029-01-01T08:00:00+00:00</AssetExpire>
+    <DSATActionTaken xmlns="4873beb7-5857-4685-be1f-d57550cc96cc" xsi:nil="true"/>
+    <CSXSubmissionMarket xmlns="4873beb7-5857-4685-be1f-d57550cc96cc" xsi:nil="true"/>
+    <TPExecutable xmlns="4873beb7-5857-4685-be1f-d57550cc96cc" xsi:nil="true"/>
+    <SubmitterId xmlns="4873beb7-5857-4685-be1f-d57550cc96cc" xsi:nil="true"/>
+    <EditorialTags xmlns="4873beb7-5857-4685-be1f-d57550cc96cc" xsi:nil="true"/>
+    <ApprovalLog xmlns="4873beb7-5857-4685-be1f-d57550cc96cc" xsi:nil="true"/>
+    <AssetType xmlns="4873beb7-5857-4685-be1f-d57550cc96cc">TP</AssetType>
+    <BugNumber xmlns="4873beb7-5857-4685-be1f-d57550cc96cc" xsi:nil="true"/>
+    <CSXSubmissionDate xmlns="4873beb7-5857-4685-be1f-d57550cc96cc" xsi:nil="true"/>
+    <CSXUpdate xmlns="4873beb7-5857-4685-be1f-d57550cc96cc">false</CSXUpdate>
+    <Milestone xmlns="4873beb7-5857-4685-be1f-d57550cc96cc" xsi:nil="true"/>
+    <RecommendationsModifier xmlns="4873beb7-5857-4685-be1f-d57550cc96cc" xsi:nil="true"/>
+    <OriginAsset xmlns="4873beb7-5857-4685-be1f-d57550cc96cc" xsi:nil="true"/>
+    <TPComponent xmlns="4873beb7-5857-4685-be1f-d57550cc96cc" xsi:nil="true"/>
+    <AssetId xmlns="4873beb7-5857-4685-be1f-d57550cc96cc">TP102901017</AssetId>
+    <IntlLocPriority xmlns="4873beb7-5857-4685-be1f-d57550cc96cc" xsi:nil="true"/>
+    <PolicheckWords xmlns="4873beb7-5857-4685-be1f-d57550cc96cc" xsi:nil="true"/>
+    <TPLaunchHelpLink xmlns="4873beb7-5857-4685-be1f-d57550cc96cc" xsi:nil="true"/>
+    <TPApplication xmlns="4873beb7-5857-4685-be1f-d57550cc96cc" xsi:nil="true"/>
+    <CrawlForDependencies xmlns="4873beb7-5857-4685-be1f-d57550cc96cc">false</CrawlForDependencies>
+    <HandoffToMSDN xmlns="4873beb7-5857-4685-be1f-d57550cc96cc" xsi:nil="true"/>
+    <PlannedPubDate xmlns="4873beb7-5857-4685-be1f-d57550cc96cc" xsi:nil="true"/>
+    <IntlLangReviewer xmlns="4873beb7-5857-4685-be1f-d57550cc96cc" xsi:nil="true"/>
+    <TrustLevel xmlns="4873beb7-5857-4685-be1f-d57550cc96cc">1 Microsoft Managed Content</TrustLevel>
+    <LocLastLocAttemptVersionLookup xmlns="4873beb7-5857-4685-be1f-d57550cc96cc">836753</LocLastLocAttemptVersionLookup>
+    <IsSearchable xmlns="4873beb7-5857-4685-be1f-d57550cc96cc">true</IsSearchable>
+    <TemplateTemplateType xmlns="4873beb7-5857-4685-be1f-d57550cc96cc">PowerPoint Design Template</TemplateTemplateType>
+    <CampaignTagsTaxHTField0 xmlns="4873beb7-5857-4685-be1f-d57550cc96cc">
+      <Terms xmlns="http://schemas.microsoft.com/office/infopath/2007/PartnerControls"/>
+    </CampaignTagsTaxHTField0>
+    <TPNamespace xmlns="4873beb7-5857-4685-be1f-d57550cc96cc" xsi:nil="true"/>
+    <TaxCatchAll xmlns="4873beb7-5857-4685-be1f-d57550cc96cc"/>
+    <Markets xmlns="4873beb7-5857-4685-be1f-d57550cc96cc"/>
+    <UAProjectedTotalWords xmlns="4873beb7-5857-4685-be1f-d57550cc96cc" xsi:nil="true"/>
+    <IntlLangReview xmlns="4873beb7-5857-4685-be1f-d57550cc96cc">false</IntlLangReview>
+    <OutputCachingOn xmlns="4873beb7-5857-4685-be1f-d57550cc96cc">false</OutputCachingOn>
+    <AverageRating xmlns="4873beb7-5857-4685-be1f-d57550cc96cc" xsi:nil="true"/>
+    <APAuthor xmlns="4873beb7-5857-4685-be1f-d57550cc96cc">
+      <UserInfo>
+        <DisplayName>REDMOND\v-anij</DisplayName>
+        <AccountId>2469</AccountId>
+        <AccountType/>
+      </UserInfo>
+    </APAuthor>
+    <LocManualTestRequired xmlns="4873beb7-5857-4685-be1f-d57550cc96cc">false</LocManualTestRequired>
+    <TPCommandLine xmlns="4873beb7-5857-4685-be1f-d57550cc96cc" xsi:nil="true"/>
+    <TPAppVersion xmlns="4873beb7-5857-4685-be1f-d57550cc96cc" xsi:nil="true"/>
+    <EditorialStatus xmlns="4873beb7-5857-4685-be1f-d57550cc96cc">Complete</EditorialStatus>
+    <LastModifiedDateTime xmlns="4873beb7-5857-4685-be1f-d57550cc96cc" xsi:nil="true"/>
+    <ScenarioTagsTaxHTField0 xmlns="4873beb7-5857-4685-be1f-d57550cc96cc">
+      <Terms xmlns="http://schemas.microsoft.com/office/infopath/2007/PartnerControls"/>
+    </ScenarioTagsTaxHTField0>
+    <OriginalRelease xmlns="4873beb7-5857-4685-be1f-d57550cc96cc">15</OriginalRelease>
+    <TPLaunchHelpLinkType xmlns="4873beb7-5857-4685-be1f-d57550cc96cc">Template</TPLaunchHelpLinkType>
+    <LocalizationTagsTaxHTField0 xmlns="4873beb7-5857-4685-be1f-d57550cc96cc">
+      <Terms xmlns="http://schemas.microsoft.com/office/infopath/2007/PartnerControls"/>
+    </LocalizationTagsTaxHTField0>
+    <LocMarketGroupTiers2 xmlns="4873beb7-5857-4685-be1f-d57550cc96cc" xsi:nil="true"/>
+  </documentManagement>
+</p:properties>
 </file>
 
 <file path=customXml/item2.xml><?xml version="1.0" encoding="utf-8"?>
@@ -12375,135 +12734,26 @@
 </file>
 
 <file path=customXml/item3.xml><?xml version="1.0" encoding="utf-8"?>
-<p:properties xmlns:p="http://schemas.microsoft.com/office/2006/metadata/properties" xmlns:xsi="http://www.w3.org/2001/XMLSchema-instance" xmlns:pc="http://schemas.microsoft.com/office/infopath/2007/PartnerControls">
-  <documentManagement>
-    <DirectSourceMarket xmlns="4873beb7-5857-4685-be1f-d57550cc96cc" xsi:nil="true"/>
-    <ApprovalStatus xmlns="4873beb7-5857-4685-be1f-d57550cc96cc">InProgress</ApprovalStatus>
-    <MarketSpecific xmlns="4873beb7-5857-4685-be1f-d57550cc96cc">false</MarketSpecific>
-    <LocComments xmlns="4873beb7-5857-4685-be1f-d57550cc96cc" xsi:nil="true"/>
-    <ThumbnailAssetId xmlns="4873beb7-5857-4685-be1f-d57550cc96cc" xsi:nil="true"/>
-    <PrimaryImageGen xmlns="4873beb7-5857-4685-be1f-d57550cc96cc">true</PrimaryImageGen>
-    <LegacyData xmlns="4873beb7-5857-4685-be1f-d57550cc96cc" xsi:nil="true"/>
-    <LocRecommendedHandoff xmlns="4873beb7-5857-4685-be1f-d57550cc96cc" xsi:nil="true"/>
-    <BusinessGroup xmlns="4873beb7-5857-4685-be1f-d57550cc96cc" xsi:nil="true"/>
-    <BlockPublish xmlns="4873beb7-5857-4685-be1f-d57550cc96cc">false</BlockPublish>
-    <TPFriendlyName xmlns="4873beb7-5857-4685-be1f-d57550cc96cc" xsi:nil="true"/>
-    <NumericId xmlns="4873beb7-5857-4685-be1f-d57550cc96cc" xsi:nil="true"/>
-    <APEditor xmlns="4873beb7-5857-4685-be1f-d57550cc96cc">
-      <UserInfo>
-        <DisplayName/>
-        <AccountId xsi:nil="true"/>
-        <AccountType/>
-      </UserInfo>
-    </APEditor>
-    <SourceTitle xmlns="4873beb7-5857-4685-be1f-d57550cc96cc" xsi:nil="true"/>
-    <OpenTemplate xmlns="4873beb7-5857-4685-be1f-d57550cc96cc">true</OpenTemplate>
-    <UALocComments xmlns="4873beb7-5857-4685-be1f-d57550cc96cc" xsi:nil="true"/>
-    <ParentAssetId xmlns="4873beb7-5857-4685-be1f-d57550cc96cc" xsi:nil="true"/>
-    <IntlLangReviewDate xmlns="4873beb7-5857-4685-be1f-d57550cc96cc" xsi:nil="true"/>
-    <FeatureTagsTaxHTField0 xmlns="4873beb7-5857-4685-be1f-d57550cc96cc">
-      <Terms xmlns="http://schemas.microsoft.com/office/infopath/2007/PartnerControls"/>
-    </FeatureTagsTaxHTField0>
-    <PublishStatusLookup xmlns="4873beb7-5857-4685-be1f-d57550cc96cc">
-      <Value>1566889</Value>
-    </PublishStatusLookup>
-    <Providers xmlns="4873beb7-5857-4685-be1f-d57550cc96cc" xsi:nil="true"/>
-    <MachineTranslated xmlns="4873beb7-5857-4685-be1f-d57550cc96cc">false</MachineTranslated>
-    <OriginalSourceMarket xmlns="4873beb7-5857-4685-be1f-d57550cc96cc" xsi:nil="true"/>
-    <APDescription xmlns="4873beb7-5857-4685-be1f-d57550cc96cc" xsi:nil="true"/>
-    <ClipArtFilename xmlns="4873beb7-5857-4685-be1f-d57550cc96cc" xsi:nil="true"/>
-    <ContentItem xmlns="4873beb7-5857-4685-be1f-d57550cc96cc" xsi:nil="true"/>
-    <TPInstallLocation xmlns="4873beb7-5857-4685-be1f-d57550cc96cc" xsi:nil="true"/>
-    <PublishTargets xmlns="4873beb7-5857-4685-be1f-d57550cc96cc">OfficeOnlineVNext</PublishTargets>
-    <TimesCloned xmlns="4873beb7-5857-4685-be1f-d57550cc96cc" xsi:nil="true"/>
-    <AssetStart xmlns="4873beb7-5857-4685-be1f-d57550cc96cc">2012-05-23T08:44:00+00:00</AssetStart>
-    <Provider xmlns="4873beb7-5857-4685-be1f-d57550cc96cc" xsi:nil="true"/>
-    <AcquiredFrom xmlns="4873beb7-5857-4685-be1f-d57550cc96cc">Internal MS</AcquiredFrom>
-    <FriendlyTitle xmlns="4873beb7-5857-4685-be1f-d57550cc96cc" xsi:nil="true"/>
-    <LastHandOff xmlns="4873beb7-5857-4685-be1f-d57550cc96cc" xsi:nil="true"/>
-    <TPClientViewer xmlns="4873beb7-5857-4685-be1f-d57550cc96cc" xsi:nil="true"/>
-    <UACurrentWords xmlns="4873beb7-5857-4685-be1f-d57550cc96cc" xsi:nil="true"/>
-    <ArtSampleDocs xmlns="4873beb7-5857-4685-be1f-d57550cc96cc" xsi:nil="true"/>
-    <UALocRecommendation xmlns="4873beb7-5857-4685-be1f-d57550cc96cc">Localize</UALocRecommendation>
-    <Manager xmlns="4873beb7-5857-4685-be1f-d57550cc96cc" xsi:nil="true"/>
-    <ShowIn xmlns="4873beb7-5857-4685-be1f-d57550cc96cc">Show everywhere</ShowIn>
-    <UANotes xmlns="4873beb7-5857-4685-be1f-d57550cc96cc" xsi:nil="true"/>
-    <TemplateStatus xmlns="4873beb7-5857-4685-be1f-d57550cc96cc">Complete</TemplateStatus>
-    <InternalTagsTaxHTField0 xmlns="4873beb7-5857-4685-be1f-d57550cc96cc">
-      <Terms xmlns="http://schemas.microsoft.com/office/infopath/2007/PartnerControls"/>
-    </InternalTagsTaxHTField0>
-    <CSXHash xmlns="4873beb7-5857-4685-be1f-d57550cc96cc" xsi:nil="true"/>
-    <Downloads xmlns="4873beb7-5857-4685-be1f-d57550cc96cc">0</Downloads>
-    <VoteCount xmlns="4873beb7-5857-4685-be1f-d57550cc96cc" xsi:nil="true"/>
-    <OOCacheId xmlns="4873beb7-5857-4685-be1f-d57550cc96cc" xsi:nil="true"/>
-    <IsDeleted xmlns="4873beb7-5857-4685-be1f-d57550cc96cc">false</IsDeleted>
-    <AssetExpire xmlns="4873beb7-5857-4685-be1f-d57550cc96cc">2029-01-01T08:00:00+00:00</AssetExpire>
-    <DSATActionTaken xmlns="4873beb7-5857-4685-be1f-d57550cc96cc" xsi:nil="true"/>
-    <CSXSubmissionMarket xmlns="4873beb7-5857-4685-be1f-d57550cc96cc" xsi:nil="true"/>
-    <TPExecutable xmlns="4873beb7-5857-4685-be1f-d57550cc96cc" xsi:nil="true"/>
-    <SubmitterId xmlns="4873beb7-5857-4685-be1f-d57550cc96cc" xsi:nil="true"/>
-    <EditorialTags xmlns="4873beb7-5857-4685-be1f-d57550cc96cc" xsi:nil="true"/>
-    <ApprovalLog xmlns="4873beb7-5857-4685-be1f-d57550cc96cc" xsi:nil="true"/>
-    <AssetType xmlns="4873beb7-5857-4685-be1f-d57550cc96cc">TP</AssetType>
-    <BugNumber xmlns="4873beb7-5857-4685-be1f-d57550cc96cc" xsi:nil="true"/>
-    <CSXSubmissionDate xmlns="4873beb7-5857-4685-be1f-d57550cc96cc" xsi:nil="true"/>
-    <CSXUpdate xmlns="4873beb7-5857-4685-be1f-d57550cc96cc">false</CSXUpdate>
-    <Milestone xmlns="4873beb7-5857-4685-be1f-d57550cc96cc" xsi:nil="true"/>
-    <RecommendationsModifier xmlns="4873beb7-5857-4685-be1f-d57550cc96cc" xsi:nil="true"/>
-    <OriginAsset xmlns="4873beb7-5857-4685-be1f-d57550cc96cc" xsi:nil="true"/>
-    <TPComponent xmlns="4873beb7-5857-4685-be1f-d57550cc96cc" xsi:nil="true"/>
-    <AssetId xmlns="4873beb7-5857-4685-be1f-d57550cc96cc">TP102901017</AssetId>
-    <IntlLocPriority xmlns="4873beb7-5857-4685-be1f-d57550cc96cc" xsi:nil="true"/>
-    <PolicheckWords xmlns="4873beb7-5857-4685-be1f-d57550cc96cc" xsi:nil="true"/>
-    <TPLaunchHelpLink xmlns="4873beb7-5857-4685-be1f-d57550cc96cc" xsi:nil="true"/>
-    <TPApplication xmlns="4873beb7-5857-4685-be1f-d57550cc96cc" xsi:nil="true"/>
-    <CrawlForDependencies xmlns="4873beb7-5857-4685-be1f-d57550cc96cc">false</CrawlForDependencies>
-    <HandoffToMSDN xmlns="4873beb7-5857-4685-be1f-d57550cc96cc" xsi:nil="true"/>
-    <PlannedPubDate xmlns="4873beb7-5857-4685-be1f-d57550cc96cc" xsi:nil="true"/>
-    <IntlLangReviewer xmlns="4873beb7-5857-4685-be1f-d57550cc96cc" xsi:nil="true"/>
-    <TrustLevel xmlns="4873beb7-5857-4685-be1f-d57550cc96cc">1 Microsoft Managed Content</TrustLevel>
-    <LocLastLocAttemptVersionLookup xmlns="4873beb7-5857-4685-be1f-d57550cc96cc">836753</LocLastLocAttemptVersionLookup>
-    <IsSearchable xmlns="4873beb7-5857-4685-be1f-d57550cc96cc">true</IsSearchable>
-    <TemplateTemplateType xmlns="4873beb7-5857-4685-be1f-d57550cc96cc">PowerPoint Design Template</TemplateTemplateType>
-    <CampaignTagsTaxHTField0 xmlns="4873beb7-5857-4685-be1f-d57550cc96cc">
-      <Terms xmlns="http://schemas.microsoft.com/office/infopath/2007/PartnerControls"/>
-    </CampaignTagsTaxHTField0>
-    <TPNamespace xmlns="4873beb7-5857-4685-be1f-d57550cc96cc" xsi:nil="true"/>
-    <TaxCatchAll xmlns="4873beb7-5857-4685-be1f-d57550cc96cc"/>
-    <Markets xmlns="4873beb7-5857-4685-be1f-d57550cc96cc"/>
-    <UAProjectedTotalWords xmlns="4873beb7-5857-4685-be1f-d57550cc96cc" xsi:nil="true"/>
-    <IntlLangReview xmlns="4873beb7-5857-4685-be1f-d57550cc96cc">false</IntlLangReview>
-    <OutputCachingOn xmlns="4873beb7-5857-4685-be1f-d57550cc96cc">false</OutputCachingOn>
-    <AverageRating xmlns="4873beb7-5857-4685-be1f-d57550cc96cc" xsi:nil="true"/>
-    <APAuthor xmlns="4873beb7-5857-4685-be1f-d57550cc96cc">
-      <UserInfo>
-        <DisplayName>REDMOND\v-anij</DisplayName>
-        <AccountId>2469</AccountId>
-        <AccountType/>
-      </UserInfo>
-    </APAuthor>
-    <LocManualTestRequired xmlns="4873beb7-5857-4685-be1f-d57550cc96cc">false</LocManualTestRequired>
-    <TPCommandLine xmlns="4873beb7-5857-4685-be1f-d57550cc96cc" xsi:nil="true"/>
-    <TPAppVersion xmlns="4873beb7-5857-4685-be1f-d57550cc96cc" xsi:nil="true"/>
-    <EditorialStatus xmlns="4873beb7-5857-4685-be1f-d57550cc96cc">Complete</EditorialStatus>
-    <LastModifiedDateTime xmlns="4873beb7-5857-4685-be1f-d57550cc96cc" xsi:nil="true"/>
-    <ScenarioTagsTaxHTField0 xmlns="4873beb7-5857-4685-be1f-d57550cc96cc">
-      <Terms xmlns="http://schemas.microsoft.com/office/infopath/2007/PartnerControls"/>
-    </ScenarioTagsTaxHTField0>
-    <OriginalRelease xmlns="4873beb7-5857-4685-be1f-d57550cc96cc">15</OriginalRelease>
-    <TPLaunchHelpLinkType xmlns="4873beb7-5857-4685-be1f-d57550cc96cc">Template</TPLaunchHelpLinkType>
-    <LocalizationTagsTaxHTField0 xmlns="4873beb7-5857-4685-be1f-d57550cc96cc">
-      <Terms xmlns="http://schemas.microsoft.com/office/infopath/2007/PartnerControls"/>
-    </LocalizationTagsTaxHTField0>
-    <LocMarketGroupTiers2 xmlns="4873beb7-5857-4685-be1f-d57550cc96cc" xsi:nil="true"/>
-  </documentManagement>
-</p:properties>
+<?mso-contentType ?>
+<FormTemplates xmlns="http://schemas.microsoft.com/sharepoint/v3/contenttype/forms">
+  <Display>DocumentLibraryForm</Display>
+  <Edit>AssetEditForm</Edit>
+  <New>DocumentLibraryForm</New>
+</FormTemplates>
 </file>
 
 <file path=customXml/itemProps1.xml><?xml version="1.0" encoding="utf-8"?>
-<ds:datastoreItem xmlns:ds="http://schemas.openxmlformats.org/officeDocument/2006/customXml" ds:itemID="{746CFF6F-D9AA-4BC0-911A-0A1356771912}">
+<ds:datastoreItem xmlns:ds="http://schemas.openxmlformats.org/officeDocument/2006/customXml" ds:itemID="{04098515-0C12-46CF-BC7C-69B4A13CD5FA}">
   <ds:schemaRefs>
-    <ds:schemaRef ds:uri="http://schemas.microsoft.com/sharepoint/v3/contenttype/forms"/>
+    <ds:schemaRef ds:uri="http://schemas.openxmlformats.org/package/2006/metadata/core-properties"/>
+    <ds:schemaRef ds:uri="http://schemas.microsoft.com/office/infopath/2007/PartnerControls"/>
+    <ds:schemaRef ds:uri="http://purl.org/dc/dcmitype/"/>
+    <ds:schemaRef ds:uri="http://schemas.microsoft.com/office/2006/documentManagement/types"/>
+    <ds:schemaRef ds:uri="http://www.w3.org/XML/1998/namespace"/>
+    <ds:schemaRef ds:uri="http://purl.org/dc/terms/"/>
+    <ds:schemaRef ds:uri="http://purl.org/dc/elements/1.1/"/>
+    <ds:schemaRef ds:uri="http://schemas.microsoft.com/office/2006/metadata/properties"/>
+    <ds:schemaRef ds:uri="4873beb7-5857-4685-be1f-d57550cc96cc"/>
   </ds:schemaRefs>
 </ds:datastoreItem>
 </file>
@@ -12527,17 +12777,9 @@
 </file>
 
 <file path=customXml/itemProps3.xml><?xml version="1.0" encoding="utf-8"?>
-<ds:datastoreItem xmlns:ds="http://schemas.openxmlformats.org/officeDocument/2006/customXml" ds:itemID="{04098515-0C12-46CF-BC7C-69B4A13CD5FA}">
+<ds:datastoreItem xmlns:ds="http://schemas.openxmlformats.org/officeDocument/2006/customXml" ds:itemID="{746CFF6F-D9AA-4BC0-911A-0A1356771912}">
   <ds:schemaRefs>
-    <ds:schemaRef ds:uri="http://schemas.openxmlformats.org/package/2006/metadata/core-properties"/>
-    <ds:schemaRef ds:uri="http://schemas.microsoft.com/office/infopath/2007/PartnerControls"/>
-    <ds:schemaRef ds:uri="http://purl.org/dc/dcmitype/"/>
-    <ds:schemaRef ds:uri="http://schemas.microsoft.com/office/2006/documentManagement/types"/>
-    <ds:schemaRef ds:uri="http://www.w3.org/XML/1998/namespace"/>
-    <ds:schemaRef ds:uri="http://purl.org/dc/terms/"/>
-    <ds:schemaRef ds:uri="http://purl.org/dc/elements/1.1/"/>
-    <ds:schemaRef ds:uri="http://schemas.microsoft.com/office/2006/metadata/properties"/>
-    <ds:schemaRef ds:uri="4873beb7-5857-4685-be1f-d57550cc96cc"/>
+    <ds:schemaRef ds:uri="http://schemas.microsoft.com/sharepoint/v3/contenttype/forms"/>
   </ds:schemaRefs>
 </ds:datastoreItem>
 </file>